--- a/Documentation/SemanticSearch.pptx
+++ b/Documentation/SemanticSearch.pptx
@@ -8883,7 +8883,7 @@
       </p:sp>
       <p:pic>
         <p:nvPicPr>
-          <p:cNvPr id="10" name="Picture 9"/>
+          <p:cNvPr id="4" name="Picture 3"/>
           <p:cNvPicPr>
             <a:picLocks noChangeAspect="1"/>
           </p:cNvPicPr>
@@ -8897,8 +8897,8 @@
         </p:blipFill>
         <p:spPr>
           <a:xfrm>
-            <a:off x="0" y="1670494"/>
-            <a:ext cx="9144000" cy="2521678"/>
+            <a:off x="0" y="1336431"/>
+            <a:ext cx="9144000" cy="4592082"/>
           </a:xfrm>
           <a:prstGeom prst="rect">
             <a:avLst/>
